--- a/doc/ppt/方案.pptx
+++ b/doc/ppt/方案.pptx
@@ -20419,683 +20419,6 @@
       <dsp:cNvGrpSpPr/>
     </dsp:nvGrpSpPr>
     <dsp:grpSpPr/>
-    <dsp:sp modelId="{85B13909-2575-41E6-9DEA-5245163050BB}">
-      <dsp:nvSpPr>
-        <dsp:cNvPr id="0" name=""/>
-        <dsp:cNvSpPr/>
-      </dsp:nvSpPr>
-      <dsp:spPr>
-        <a:xfrm>
-          <a:off x="186821" y="452647"/>
-          <a:ext cx="1220493" cy="461014"/>
-        </a:xfrm>
-        <a:prstGeom prst="roundRect">
-          <a:avLst>
-            <a:gd name="adj" fmla="val 10000"/>
-          </a:avLst>
-        </a:prstGeom>
-        <a:gradFill rotWithShape="0">
-          <a:gsLst>
-            <a:gs pos="0">
-              <a:schemeClr val="accent1">
-                <a:hueOff val="0"/>
-                <a:satOff val="0"/>
-                <a:lumOff val="0"/>
-                <a:alphaOff val="0"/>
-                <a:shade val="51000"/>
-                <a:satMod val="130000"/>
-              </a:schemeClr>
-            </a:gs>
-            <a:gs pos="80000">
-              <a:schemeClr val="accent1">
-                <a:hueOff val="0"/>
-                <a:satOff val="0"/>
-                <a:lumOff val="0"/>
-                <a:alphaOff val="0"/>
-                <a:shade val="93000"/>
-                <a:satMod val="130000"/>
-              </a:schemeClr>
-            </a:gs>
-            <a:gs pos="100000">
-              <a:schemeClr val="accent1">
-                <a:hueOff val="0"/>
-                <a:satOff val="0"/>
-                <a:lumOff val="0"/>
-                <a:alphaOff val="0"/>
-                <a:shade val="94000"/>
-                <a:satMod val="135000"/>
-              </a:schemeClr>
-            </a:gs>
-          </a:gsLst>
-          <a:lin ang="16200000" scaled="0"/>
-        </a:gradFill>
-        <a:ln>
-          <a:noFill/>
-        </a:ln>
-        <a:effectLst>
-          <a:outerShdw blurRad="40000" dist="23000" dir="5400000" rotWithShape="0">
-            <a:srgbClr val="000000">
-              <a:alpha val="35000"/>
-            </a:srgbClr>
-          </a:outerShdw>
-        </a:effectLst>
-      </dsp:spPr>
-      <dsp:style>
-        <a:lnRef idx="0">
-          <a:scrgbClr r="0" g="0" b="0"/>
-        </a:lnRef>
-        <a:fillRef idx="3">
-          <a:scrgbClr r="0" g="0" b="0"/>
-        </a:fillRef>
-        <a:effectRef idx="2">
-          <a:scrgbClr r="0" g="0" b="0"/>
-        </a:effectRef>
-        <a:fontRef idx="minor">
-          <a:schemeClr val="lt1"/>
-        </a:fontRef>
-      </dsp:style>
-      <dsp:txBody>
-        <a:bodyPr spcFirstLastPara="0" vert="horz" wrap="square" lIns="10160" tIns="10160" rIns="10160" bIns="10160" numCol="1" spcCol="1270" anchor="ctr" anchorCtr="0">
-          <a:noAutofit/>
-        </a:bodyPr>
-        <a:lstStyle/>
-        <a:p>
-          <a:pPr lvl="0" algn="ctr" defTabSz="711200">
-            <a:lnSpc>
-              <a:spcPct val="90000"/>
-            </a:lnSpc>
-            <a:spcBef>
-              <a:spcPct val="0"/>
-            </a:spcBef>
-            <a:spcAft>
-              <a:spcPct val="35000"/>
-            </a:spcAft>
-          </a:pPr>
-          <a:r>
-            <a:rPr lang="zh-CN" altLang="en-US" sz="1600" b="1" kern="1200" dirty="0" smtClean="0">
-              <a:latin typeface="微软雅黑" pitchFamily="34" charset="-122"/>
-              <a:ea typeface="微软雅黑" pitchFamily="34" charset="-122"/>
-            </a:rPr>
-            <a:t>数据服务</a:t>
-          </a:r>
-          <a:endParaRPr lang="zh-CN" altLang="en-US" sz="1600" b="1" kern="1200" dirty="0">
-            <a:latin typeface="微软雅黑" pitchFamily="34" charset="-122"/>
-            <a:ea typeface="微软雅黑" pitchFamily="34" charset="-122"/>
-          </a:endParaRPr>
-        </a:p>
-      </dsp:txBody>
-      <dsp:txXfrm>
-        <a:off x="200324" y="466150"/>
-        <a:ext cx="1193487" cy="434008"/>
-      </dsp:txXfrm>
-    </dsp:sp>
-    <dsp:sp modelId="{5A15EFCA-0B1F-4C93-A279-C4F9C24EE7CE}">
-      <dsp:nvSpPr>
-        <dsp:cNvPr id="0" name=""/>
-        <dsp:cNvSpPr/>
-      </dsp:nvSpPr>
-      <dsp:spPr>
-        <a:xfrm rot="18289469">
-          <a:off x="1283162" y="418331"/>
-          <a:ext cx="578883" cy="54438"/>
-        </a:xfrm>
-        <a:custGeom>
-          <a:avLst/>
-          <a:gdLst/>
-          <a:ahLst/>
-          <a:cxnLst/>
-          <a:rect l="0" t="0" r="0" b="0"/>
-          <a:pathLst>
-            <a:path>
-              <a:moveTo>
-                <a:pt x="0" y="27219"/>
-              </a:moveTo>
-              <a:lnTo>
-                <a:pt x="578883" y="27219"/>
-              </a:lnTo>
-            </a:path>
-          </a:pathLst>
-        </a:custGeom>
-        <a:noFill/>
-        <a:ln w="9525" cap="flat" cmpd="sng" algn="ctr">
-          <a:solidFill>
-            <a:schemeClr val="accent2">
-              <a:hueOff val="0"/>
-              <a:satOff val="0"/>
-              <a:lumOff val="0"/>
-              <a:alphaOff val="0"/>
-            </a:schemeClr>
-          </a:solidFill>
-          <a:prstDash val="solid"/>
-        </a:ln>
-        <a:effectLst/>
-      </dsp:spPr>
-      <dsp:style>
-        <a:lnRef idx="1">
-          <a:scrgbClr r="0" g="0" b="0"/>
-        </a:lnRef>
-        <a:fillRef idx="0">
-          <a:scrgbClr r="0" g="0" b="0"/>
-        </a:fillRef>
-        <a:effectRef idx="0">
-          <a:scrgbClr r="0" g="0" b="0"/>
-        </a:effectRef>
-        <a:fontRef idx="minor"/>
-      </dsp:style>
-      <dsp:txBody>
-        <a:bodyPr spcFirstLastPara="0" vert="horz" wrap="square" lIns="12700" tIns="0" rIns="12700" bIns="0" numCol="1" spcCol="1270" anchor="ctr" anchorCtr="0">
-          <a:noAutofit/>
-        </a:bodyPr>
-        <a:lstStyle/>
-        <a:p>
-          <a:pPr lvl="0" algn="ctr" defTabSz="533400">
-            <a:lnSpc>
-              <a:spcPct val="90000"/>
-            </a:lnSpc>
-            <a:spcBef>
-              <a:spcPct val="0"/>
-            </a:spcBef>
-            <a:spcAft>
-              <a:spcPct val="35000"/>
-            </a:spcAft>
-          </a:pPr>
-          <a:endParaRPr lang="zh-CN" altLang="en-US" sz="1200" kern="1200">
-            <a:latin typeface="微软雅黑" pitchFamily="34" charset="-122"/>
-            <a:ea typeface="微软雅黑" pitchFamily="34" charset="-122"/>
-          </a:endParaRPr>
-        </a:p>
-      </dsp:txBody>
-      <dsp:txXfrm>
-        <a:off x="1558132" y="431078"/>
-        <a:ext cx="28944" cy="28944"/>
-      </dsp:txXfrm>
-    </dsp:sp>
-    <dsp:sp modelId="{B1509262-264B-4716-8BF7-B994496B9E80}">
-      <dsp:nvSpPr>
-        <dsp:cNvPr id="0" name=""/>
-        <dsp:cNvSpPr/>
-      </dsp:nvSpPr>
-      <dsp:spPr>
-        <a:xfrm>
-          <a:off x="1737894" y="1333"/>
-          <a:ext cx="1959190" cy="413225"/>
-        </a:xfrm>
-        <a:prstGeom prst="roundRect">
-          <a:avLst>
-            <a:gd name="adj" fmla="val 10000"/>
-          </a:avLst>
-        </a:prstGeom>
-        <a:gradFill rotWithShape="0">
-          <a:gsLst>
-            <a:gs pos="0">
-              <a:schemeClr val="accent2">
-                <a:hueOff val="0"/>
-                <a:satOff val="0"/>
-                <a:lumOff val="0"/>
-                <a:alphaOff val="0"/>
-                <a:shade val="51000"/>
-                <a:satMod val="130000"/>
-              </a:schemeClr>
-            </a:gs>
-            <a:gs pos="80000">
-              <a:schemeClr val="accent2">
-                <a:hueOff val="0"/>
-                <a:satOff val="0"/>
-                <a:lumOff val="0"/>
-                <a:alphaOff val="0"/>
-                <a:shade val="93000"/>
-                <a:satMod val="130000"/>
-              </a:schemeClr>
-            </a:gs>
-            <a:gs pos="100000">
-              <a:schemeClr val="accent2">
-                <a:hueOff val="0"/>
-                <a:satOff val="0"/>
-                <a:lumOff val="0"/>
-                <a:alphaOff val="0"/>
-                <a:shade val="94000"/>
-                <a:satMod val="135000"/>
-              </a:schemeClr>
-            </a:gs>
-          </a:gsLst>
-          <a:lin ang="16200000" scaled="0"/>
-        </a:gradFill>
-        <a:ln>
-          <a:noFill/>
-        </a:ln>
-        <a:effectLst>
-          <a:outerShdw blurRad="40000" dist="23000" dir="5400000" rotWithShape="0">
-            <a:srgbClr val="000000">
-              <a:alpha val="35000"/>
-            </a:srgbClr>
-          </a:outerShdw>
-        </a:effectLst>
-      </dsp:spPr>
-      <dsp:style>
-        <a:lnRef idx="0">
-          <a:scrgbClr r="0" g="0" b="0"/>
-        </a:lnRef>
-        <a:fillRef idx="3">
-          <a:scrgbClr r="0" g="0" b="0"/>
-        </a:fillRef>
-        <a:effectRef idx="2">
-          <a:scrgbClr r="0" g="0" b="0"/>
-        </a:effectRef>
-        <a:fontRef idx="minor">
-          <a:schemeClr val="lt1"/>
-        </a:fontRef>
-      </dsp:style>
-      <dsp:txBody>
-        <a:bodyPr spcFirstLastPara="0" vert="horz" wrap="square" lIns="7620" tIns="7620" rIns="7620" bIns="7620" numCol="1" spcCol="1270" anchor="ctr" anchorCtr="0">
-          <a:noAutofit/>
-        </a:bodyPr>
-        <a:lstStyle/>
-        <a:p>
-          <a:pPr lvl="0" algn="ctr" defTabSz="533400">
-            <a:lnSpc>
-              <a:spcPct val="90000"/>
-            </a:lnSpc>
-            <a:spcBef>
-              <a:spcPct val="0"/>
-            </a:spcBef>
-            <a:spcAft>
-              <a:spcPct val="35000"/>
-            </a:spcAft>
-          </a:pPr>
-          <a:r>
-            <a:rPr lang="en-US" altLang="en-US" sz="1200" kern="1200" dirty="0" smtClean="0">
-              <a:latin typeface="微软雅黑" pitchFamily="34" charset="-122"/>
-              <a:ea typeface="微软雅黑" pitchFamily="34" charset="-122"/>
-            </a:rPr>
-            <a:t>Business Data Analysis</a:t>
-          </a:r>
-          <a:endParaRPr lang="zh-CN" altLang="en-US" sz="1200" kern="1200" dirty="0">
-            <a:latin typeface="微软雅黑" pitchFamily="34" charset="-122"/>
-            <a:ea typeface="微软雅黑" pitchFamily="34" charset="-122"/>
-          </a:endParaRPr>
-        </a:p>
-      </dsp:txBody>
-      <dsp:txXfrm>
-        <a:off x="1749997" y="13436"/>
-        <a:ext cx="1934984" cy="389019"/>
-      </dsp:txXfrm>
-    </dsp:sp>
-    <dsp:sp modelId="{BA8967B4-F04F-4A68-B26D-5C70A727234F}">
-      <dsp:nvSpPr>
-        <dsp:cNvPr id="0" name=""/>
-        <dsp:cNvSpPr/>
-      </dsp:nvSpPr>
-      <dsp:spPr>
-        <a:xfrm>
-          <a:off x="1407314" y="655935"/>
-          <a:ext cx="330580" cy="54438"/>
-        </a:xfrm>
-        <a:custGeom>
-          <a:avLst/>
-          <a:gdLst/>
-          <a:ahLst/>
-          <a:cxnLst/>
-          <a:rect l="0" t="0" r="0" b="0"/>
-          <a:pathLst>
-            <a:path>
-              <a:moveTo>
-                <a:pt x="0" y="27219"/>
-              </a:moveTo>
-              <a:lnTo>
-                <a:pt x="330580" y="27219"/>
-              </a:lnTo>
-            </a:path>
-          </a:pathLst>
-        </a:custGeom>
-        <a:noFill/>
-        <a:ln w="9525" cap="flat" cmpd="sng" algn="ctr">
-          <a:solidFill>
-            <a:schemeClr val="accent2">
-              <a:hueOff val="0"/>
-              <a:satOff val="0"/>
-              <a:lumOff val="0"/>
-              <a:alphaOff val="0"/>
-            </a:schemeClr>
-          </a:solidFill>
-          <a:prstDash val="solid"/>
-        </a:ln>
-        <a:effectLst/>
-      </dsp:spPr>
-      <dsp:style>
-        <a:lnRef idx="1">
-          <a:scrgbClr r="0" g="0" b="0"/>
-        </a:lnRef>
-        <a:fillRef idx="0">
-          <a:scrgbClr r="0" g="0" b="0"/>
-        </a:fillRef>
-        <a:effectRef idx="0">
-          <a:scrgbClr r="0" g="0" b="0"/>
-        </a:effectRef>
-        <a:fontRef idx="minor"/>
-      </dsp:style>
-      <dsp:txBody>
-        <a:bodyPr spcFirstLastPara="0" vert="horz" wrap="square" lIns="12700" tIns="0" rIns="12700" bIns="0" numCol="1" spcCol="1270" anchor="ctr" anchorCtr="0">
-          <a:noAutofit/>
-        </a:bodyPr>
-        <a:lstStyle/>
-        <a:p>
-          <a:pPr lvl="0" algn="ctr" defTabSz="222250">
-            <a:lnSpc>
-              <a:spcPct val="90000"/>
-            </a:lnSpc>
-            <a:spcBef>
-              <a:spcPct val="0"/>
-            </a:spcBef>
-            <a:spcAft>
-              <a:spcPct val="35000"/>
-            </a:spcAft>
-          </a:pPr>
-          <a:endParaRPr lang="zh-CN" altLang="en-US" sz="500" kern="1200"/>
-        </a:p>
-      </dsp:txBody>
-      <dsp:txXfrm>
-        <a:off x="1564340" y="674890"/>
-        <a:ext cx="16529" cy="16529"/>
-      </dsp:txXfrm>
-    </dsp:sp>
-    <dsp:sp modelId="{A069D07D-2DF1-4805-8045-727A6B5CD807}">
-      <dsp:nvSpPr>
-        <dsp:cNvPr id="0" name=""/>
-        <dsp:cNvSpPr/>
-      </dsp:nvSpPr>
-      <dsp:spPr>
-        <a:xfrm>
-          <a:off x="1737894" y="476542"/>
-          <a:ext cx="1908438" cy="413225"/>
-        </a:xfrm>
-        <a:prstGeom prst="roundRect">
-          <a:avLst>
-            <a:gd name="adj" fmla="val 10000"/>
-          </a:avLst>
-        </a:prstGeom>
-        <a:gradFill rotWithShape="0">
-          <a:gsLst>
-            <a:gs pos="0">
-              <a:schemeClr val="accent2">
-                <a:hueOff val="0"/>
-                <a:satOff val="0"/>
-                <a:lumOff val="0"/>
-                <a:alphaOff val="0"/>
-                <a:shade val="51000"/>
-                <a:satMod val="130000"/>
-              </a:schemeClr>
-            </a:gs>
-            <a:gs pos="80000">
-              <a:schemeClr val="accent2">
-                <a:hueOff val="0"/>
-                <a:satOff val="0"/>
-                <a:lumOff val="0"/>
-                <a:alphaOff val="0"/>
-                <a:shade val="93000"/>
-                <a:satMod val="130000"/>
-              </a:schemeClr>
-            </a:gs>
-            <a:gs pos="100000">
-              <a:schemeClr val="accent2">
-                <a:hueOff val="0"/>
-                <a:satOff val="0"/>
-                <a:lumOff val="0"/>
-                <a:alphaOff val="0"/>
-                <a:shade val="94000"/>
-                <a:satMod val="135000"/>
-              </a:schemeClr>
-            </a:gs>
-          </a:gsLst>
-          <a:lin ang="16200000" scaled="0"/>
-        </a:gradFill>
-        <a:ln>
-          <a:noFill/>
-        </a:ln>
-        <a:effectLst>
-          <a:outerShdw blurRad="40000" dist="23000" dir="5400000" rotWithShape="0">
-            <a:srgbClr val="000000">
-              <a:alpha val="35000"/>
-            </a:srgbClr>
-          </a:outerShdw>
-        </a:effectLst>
-      </dsp:spPr>
-      <dsp:style>
-        <a:lnRef idx="0">
-          <a:scrgbClr r="0" g="0" b="0"/>
-        </a:lnRef>
-        <a:fillRef idx="3">
-          <a:scrgbClr r="0" g="0" b="0"/>
-        </a:fillRef>
-        <a:effectRef idx="2">
-          <a:scrgbClr r="0" g="0" b="0"/>
-        </a:effectRef>
-        <a:fontRef idx="minor">
-          <a:schemeClr val="lt1"/>
-        </a:fontRef>
-      </dsp:style>
-      <dsp:txBody>
-        <a:bodyPr spcFirstLastPara="0" vert="horz" wrap="square" lIns="7620" tIns="7620" rIns="7620" bIns="7620" numCol="1" spcCol="1270" anchor="ctr" anchorCtr="0">
-          <a:noAutofit/>
-        </a:bodyPr>
-        <a:lstStyle/>
-        <a:p>
-          <a:pPr lvl="0" algn="ctr" defTabSz="533400">
-            <a:lnSpc>
-              <a:spcPct val="90000"/>
-            </a:lnSpc>
-            <a:spcBef>
-              <a:spcPct val="0"/>
-            </a:spcBef>
-            <a:spcAft>
-              <a:spcPct val="35000"/>
-            </a:spcAft>
-          </a:pPr>
-          <a:r>
-            <a:rPr lang="en-US" altLang="en-US" sz="1200" kern="1200" dirty="0" smtClean="0">
-              <a:latin typeface="微软雅黑" pitchFamily="34" charset="-122"/>
-              <a:ea typeface="微软雅黑" pitchFamily="34" charset="-122"/>
-            </a:rPr>
-            <a:t>Business Data Mining</a:t>
-          </a:r>
-          <a:endParaRPr lang="zh-CN" altLang="en-US" sz="1200" kern="1200" dirty="0">
-            <a:latin typeface="微软雅黑" pitchFamily="34" charset="-122"/>
-            <a:ea typeface="微软雅黑" pitchFamily="34" charset="-122"/>
-          </a:endParaRPr>
-        </a:p>
-      </dsp:txBody>
-      <dsp:txXfrm>
-        <a:off x="1749997" y="488645"/>
-        <a:ext cx="1884232" cy="389019"/>
-      </dsp:txXfrm>
-    </dsp:sp>
-    <dsp:sp modelId="{19328943-9CB5-41CC-9EB7-D01E605D9B0E}">
-      <dsp:nvSpPr>
-        <dsp:cNvPr id="0" name=""/>
-        <dsp:cNvSpPr/>
-      </dsp:nvSpPr>
-      <dsp:spPr>
-        <a:xfrm rot="3310531">
-          <a:off x="1283162" y="893539"/>
-          <a:ext cx="578883" cy="54438"/>
-        </a:xfrm>
-        <a:custGeom>
-          <a:avLst/>
-          <a:gdLst/>
-          <a:ahLst/>
-          <a:cxnLst/>
-          <a:rect l="0" t="0" r="0" b="0"/>
-          <a:pathLst>
-            <a:path>
-              <a:moveTo>
-                <a:pt x="0" y="27219"/>
-              </a:moveTo>
-              <a:lnTo>
-                <a:pt x="578883" y="27219"/>
-              </a:lnTo>
-            </a:path>
-          </a:pathLst>
-        </a:custGeom>
-        <a:noFill/>
-        <a:ln w="9525" cap="flat" cmpd="sng" algn="ctr">
-          <a:solidFill>
-            <a:schemeClr val="accent2">
-              <a:hueOff val="0"/>
-              <a:satOff val="0"/>
-              <a:lumOff val="0"/>
-              <a:alphaOff val="0"/>
-            </a:schemeClr>
-          </a:solidFill>
-          <a:prstDash val="solid"/>
-        </a:ln>
-        <a:effectLst/>
-      </dsp:spPr>
-      <dsp:style>
-        <a:lnRef idx="1">
-          <a:scrgbClr r="0" g="0" b="0"/>
-        </a:lnRef>
-        <a:fillRef idx="0">
-          <a:scrgbClr r="0" g="0" b="0"/>
-        </a:fillRef>
-        <a:effectRef idx="0">
-          <a:scrgbClr r="0" g="0" b="0"/>
-        </a:effectRef>
-        <a:fontRef idx="minor"/>
-      </dsp:style>
-      <dsp:txBody>
-        <a:bodyPr spcFirstLastPara="0" vert="horz" wrap="square" lIns="12700" tIns="0" rIns="12700" bIns="0" numCol="1" spcCol="1270" anchor="ctr" anchorCtr="0">
-          <a:noAutofit/>
-        </a:bodyPr>
-        <a:lstStyle/>
-        <a:p>
-          <a:pPr lvl="0" algn="ctr" defTabSz="222250">
-            <a:lnSpc>
-              <a:spcPct val="90000"/>
-            </a:lnSpc>
-            <a:spcBef>
-              <a:spcPct val="0"/>
-            </a:spcBef>
-            <a:spcAft>
-              <a:spcPct val="35000"/>
-            </a:spcAft>
-          </a:pPr>
-          <a:endParaRPr lang="zh-CN" altLang="en-US" sz="500" kern="1200"/>
-        </a:p>
-      </dsp:txBody>
-      <dsp:txXfrm>
-        <a:off x="1558132" y="906287"/>
-        <a:ext cx="28944" cy="28944"/>
-      </dsp:txXfrm>
-    </dsp:sp>
-    <dsp:sp modelId="{05C30CDB-8E11-4B6E-B7CE-9F340471CA79}">
-      <dsp:nvSpPr>
-        <dsp:cNvPr id="0" name=""/>
-        <dsp:cNvSpPr/>
-      </dsp:nvSpPr>
-      <dsp:spPr>
-        <a:xfrm>
-          <a:off x="1737894" y="951751"/>
-          <a:ext cx="944219" cy="413225"/>
-        </a:xfrm>
-        <a:prstGeom prst="roundRect">
-          <a:avLst>
-            <a:gd name="adj" fmla="val 10000"/>
-          </a:avLst>
-        </a:prstGeom>
-        <a:gradFill rotWithShape="0">
-          <a:gsLst>
-            <a:gs pos="0">
-              <a:schemeClr val="accent2">
-                <a:hueOff val="0"/>
-                <a:satOff val="0"/>
-                <a:lumOff val="0"/>
-                <a:alphaOff val="0"/>
-                <a:shade val="51000"/>
-                <a:satMod val="130000"/>
-              </a:schemeClr>
-            </a:gs>
-            <a:gs pos="80000">
-              <a:schemeClr val="accent2">
-                <a:hueOff val="0"/>
-                <a:satOff val="0"/>
-                <a:lumOff val="0"/>
-                <a:alphaOff val="0"/>
-                <a:shade val="93000"/>
-                <a:satMod val="130000"/>
-              </a:schemeClr>
-            </a:gs>
-            <a:gs pos="100000">
-              <a:schemeClr val="accent2">
-                <a:hueOff val="0"/>
-                <a:satOff val="0"/>
-                <a:lumOff val="0"/>
-                <a:alphaOff val="0"/>
-                <a:shade val="94000"/>
-                <a:satMod val="135000"/>
-              </a:schemeClr>
-            </a:gs>
-          </a:gsLst>
-          <a:lin ang="16200000" scaled="0"/>
-        </a:gradFill>
-        <a:ln>
-          <a:noFill/>
-        </a:ln>
-        <a:effectLst>
-          <a:outerShdw blurRad="40000" dist="23000" dir="5400000" rotWithShape="0">
-            <a:srgbClr val="000000">
-              <a:alpha val="35000"/>
-            </a:srgbClr>
-          </a:outerShdw>
-        </a:effectLst>
-      </dsp:spPr>
-      <dsp:style>
-        <a:lnRef idx="0">
-          <a:scrgbClr r="0" g="0" b="0"/>
-        </a:lnRef>
-        <a:fillRef idx="3">
-          <a:scrgbClr r="0" g="0" b="0"/>
-        </a:fillRef>
-        <a:effectRef idx="2">
-          <a:scrgbClr r="0" g="0" b="0"/>
-        </a:effectRef>
-        <a:fontRef idx="minor">
-          <a:schemeClr val="lt1"/>
-        </a:fontRef>
-      </dsp:style>
-      <dsp:txBody>
-        <a:bodyPr spcFirstLastPara="0" vert="horz" wrap="square" lIns="7620" tIns="7620" rIns="7620" bIns="7620" numCol="1" spcCol="1270" anchor="ctr" anchorCtr="0">
-          <a:noAutofit/>
-        </a:bodyPr>
-        <a:lstStyle/>
-        <a:p>
-          <a:pPr lvl="0" algn="ctr" defTabSz="533400">
-            <a:lnSpc>
-              <a:spcPct val="90000"/>
-            </a:lnSpc>
-            <a:spcBef>
-              <a:spcPct val="0"/>
-            </a:spcBef>
-            <a:spcAft>
-              <a:spcPct val="35000"/>
-            </a:spcAft>
-          </a:pPr>
-          <a:r>
-            <a:rPr lang="zh-CN" altLang="en-US" sz="1200" kern="1200" dirty="0" smtClean="0">
-              <a:latin typeface="微软雅黑" pitchFamily="34" charset="-122"/>
-              <a:ea typeface="微软雅黑" pitchFamily="34" charset="-122"/>
-            </a:rPr>
-            <a:t>行业报告</a:t>
-          </a:r>
-          <a:endParaRPr lang="zh-CN" altLang="en-US" sz="1200" kern="1200" dirty="0">
-            <a:latin typeface="微软雅黑" pitchFamily="34" charset="-122"/>
-            <a:ea typeface="微软雅黑" pitchFamily="34" charset="-122"/>
-          </a:endParaRPr>
-        </a:p>
-      </dsp:txBody>
-      <dsp:txXfrm>
-        <a:off x="1749997" y="963854"/>
-        <a:ext cx="920013" cy="389019"/>
-      </dsp:txXfrm>
-    </dsp:sp>
   </dsp:spTree>
 </dsp:drawing>
 </file>
@@ -29306,7 +28629,7 @@
           <a:p>
             <a:fld id="{26493D35-A974-499F-BB8A-A52CEFB9CB08}" type="datetimeFigureOut">
               <a:rPr lang="zh-CN" altLang="en-US" smtClean="0"/>
-              <a:t>2014/10/7</a:t>
+              <a:t>2015/6/20</a:t>
             </a:fld>
             <a:endParaRPr lang="zh-CN" altLang="en-US"/>
           </a:p>
@@ -29796,7 +29119,7 @@
           <a:p>
             <a:fld id="{530820CF-B880-4189-942D-D702A7CBA730}" type="datetimeFigureOut">
               <a:rPr lang="zh-CN" altLang="en-US" smtClean="0"/>
-              <a:t>2014/10/7</a:t>
+              <a:t>2015/6/20</a:t>
             </a:fld>
             <a:endParaRPr lang="zh-CN" altLang="en-US"/>
           </a:p>
@@ -29973,7 +29296,7 @@
           <a:p>
             <a:fld id="{530820CF-B880-4189-942D-D702A7CBA730}" type="datetimeFigureOut">
               <a:rPr lang="zh-CN" altLang="en-US" smtClean="0"/>
-              <a:t>2014/10/7</a:t>
+              <a:t>2015/6/20</a:t>
             </a:fld>
             <a:endParaRPr lang="zh-CN" altLang="en-US"/>
           </a:p>
@@ -30160,7 +29483,7 @@
           <a:p>
             <a:fld id="{530820CF-B880-4189-942D-D702A7CBA730}" type="datetimeFigureOut">
               <a:rPr lang="zh-CN" altLang="en-US" smtClean="0"/>
-              <a:t>2014/10/7</a:t>
+              <a:t>2015/6/20</a:t>
             </a:fld>
             <a:endParaRPr lang="zh-CN" altLang="en-US"/>
           </a:p>
@@ -30378,7 +29701,7 @@
           <a:p>
             <a:fld id="{530820CF-B880-4189-942D-D702A7CBA730}" type="datetimeFigureOut">
               <a:rPr lang="zh-CN" altLang="en-US" smtClean="0"/>
-              <a:t>2014/10/7</a:t>
+              <a:t>2015/6/20</a:t>
             </a:fld>
             <a:endParaRPr lang="zh-CN" altLang="en-US"/>
           </a:p>
@@ -30672,7 +29995,7 @@
           <a:p>
             <a:fld id="{530820CF-B880-4189-942D-D702A7CBA730}" type="datetimeFigureOut">
               <a:rPr lang="zh-CN" altLang="en-US" smtClean="0"/>
-              <a:t>2014/10/7</a:t>
+              <a:t>2015/6/20</a:t>
             </a:fld>
             <a:endParaRPr lang="zh-CN" altLang="en-US"/>
           </a:p>
@@ -30967,7 +30290,7 @@
           <a:p>
             <a:fld id="{530820CF-B880-4189-942D-D702A7CBA730}" type="datetimeFigureOut">
               <a:rPr lang="zh-CN" altLang="en-US" smtClean="0"/>
-              <a:t>2014/10/7</a:t>
+              <a:t>2015/6/20</a:t>
             </a:fld>
             <a:endParaRPr lang="zh-CN" altLang="en-US"/>
           </a:p>
@@ -31396,7 +30719,7 @@
           <a:p>
             <a:fld id="{530820CF-B880-4189-942D-D702A7CBA730}" type="datetimeFigureOut">
               <a:rPr lang="zh-CN" altLang="en-US" smtClean="0"/>
-              <a:t>2014/10/7</a:t>
+              <a:t>2015/6/20</a:t>
             </a:fld>
             <a:endParaRPr lang="zh-CN" altLang="en-US"/>
           </a:p>
@@ -31521,7 +30844,7 @@
           <a:p>
             <a:fld id="{530820CF-B880-4189-942D-D702A7CBA730}" type="datetimeFigureOut">
               <a:rPr lang="zh-CN" altLang="en-US" smtClean="0"/>
-              <a:t>2014/10/7</a:t>
+              <a:t>2015/6/20</a:t>
             </a:fld>
             <a:endParaRPr lang="zh-CN" altLang="en-US"/>
           </a:p>
@@ -31623,7 +30946,7 @@
           <a:p>
             <a:fld id="{530820CF-B880-4189-942D-D702A7CBA730}" type="datetimeFigureOut">
               <a:rPr lang="zh-CN" altLang="en-US" smtClean="0"/>
-              <a:t>2014/10/7</a:t>
+              <a:t>2015/6/20</a:t>
             </a:fld>
             <a:endParaRPr lang="zh-CN" altLang="en-US"/>
           </a:p>
@@ -31907,7 +31230,7 @@
           <a:p>
             <a:fld id="{530820CF-B880-4189-942D-D702A7CBA730}" type="datetimeFigureOut">
               <a:rPr lang="zh-CN" altLang="en-US" smtClean="0"/>
-              <a:t>2014/10/7</a:t>
+              <a:t>2015/6/20</a:t>
             </a:fld>
             <a:endParaRPr lang="zh-CN" altLang="en-US"/>
           </a:p>
@@ -32167,7 +31490,7 @@
           <a:p>
             <a:fld id="{530820CF-B880-4189-942D-D702A7CBA730}" type="datetimeFigureOut">
               <a:rPr lang="zh-CN" altLang="en-US" smtClean="0"/>
-              <a:t>2014/10/7</a:t>
+              <a:t>2015/6/20</a:t>
             </a:fld>
             <a:endParaRPr lang="zh-CN" altLang="en-US"/>
           </a:p>
@@ -32387,7 +31710,7 @@
           <a:p>
             <a:fld id="{530820CF-B880-4189-942D-D702A7CBA730}" type="datetimeFigureOut">
               <a:rPr lang="zh-CN" altLang="en-US" smtClean="0"/>
-              <a:t>2014/10/7</a:t>
+              <a:t>2015/6/20</a:t>
             </a:fld>
             <a:endParaRPr lang="zh-CN" altLang="en-US"/>
           </a:p>
@@ -32992,7 +32315,7 @@
                     <a:latin typeface="微软雅黑" pitchFamily="34" charset="-122"/>
                     <a:ea typeface="微软雅黑" pitchFamily="34" charset="-122"/>
                   </a:rPr>
-                  <a:t>天鹅座</a:t>
+                  <a:t>铃铛网</a:t>
                 </a:r>
                 <a:r>
                   <a:rPr lang="zh-CN" altLang="en-US" b="1" dirty="0" smtClean="0">
@@ -33005,7 +32328,7 @@
                     <a:latin typeface="微软雅黑" pitchFamily="34" charset="-122"/>
                     <a:ea typeface="微软雅黑" pitchFamily="34" charset="-122"/>
                   </a:rPr>
-                  <a:t>家居行业营销解决方案</a:t>
+                  <a:t>做中国最好的宠物平台</a:t>
                 </a:r>
                 <a:endParaRPr lang="zh-CN" altLang="zh-CN" b="1" dirty="0">
                   <a:solidFill>
@@ -33042,7 +32365,7 @@
               <a:lstStyle/>
               <a:p>
                 <a:r>
-                  <a:rPr lang="en-US" altLang="zh-CN" sz="1400" dirty="0" err="1">
+                  <a:rPr lang="en-US" altLang="zh-CN" sz="1400" dirty="0" smtClean="0">
                     <a:solidFill>
                       <a:schemeClr val="tx1">
                         <a:lumMod val="65000"/>
@@ -33050,7 +32373,7 @@
                       </a:schemeClr>
                     </a:solidFill>
                   </a:rPr>
-                  <a:t>Cygni</a:t>
+                  <a:t>China </a:t>
                 </a:r>
                 <a:r>
                   <a:rPr lang="en-US" altLang="zh-CN" sz="1400" dirty="0">
@@ -33061,7 +32384,7 @@
                       </a:schemeClr>
                     </a:solidFill>
                   </a:rPr>
-                  <a:t> </a:t>
+                  <a:t>best pet </a:t>
                 </a:r>
                 <a:r>
                   <a:rPr lang="en-US" altLang="zh-CN" sz="1400" dirty="0" smtClean="0">
@@ -33072,18 +32395,7 @@
                       </a:schemeClr>
                     </a:solidFill>
                   </a:rPr>
-                  <a:t> home </a:t>
-                </a:r>
-                <a:r>
-                  <a:rPr lang="en-US" altLang="zh-CN" sz="1400" dirty="0">
-                    <a:solidFill>
-                      <a:schemeClr val="tx1">
-                        <a:lumMod val="65000"/>
-                        <a:lumOff val="35000"/>
-                      </a:schemeClr>
-                    </a:solidFill>
-                  </a:rPr>
-                  <a:t>industry marketing solutions</a:t>
+                  <a:t>platform</a:t>
                 </a:r>
                 <a:endParaRPr lang="zh-CN" altLang="en-US" sz="1400" dirty="0">
                   <a:solidFill>
@@ -35064,56 +34376,6 @@
           <a:chExt cx="0" cy="0"/>
         </a:xfrm>
       </p:grpSpPr>
-      <p:pic>
-        <p:nvPicPr>
-          <p:cNvPr id="2050" name="Picture 2" descr="C:\Users\Administrator\Desktop\7wwqneuh.png"/>
-          <p:cNvPicPr>
-            <a:picLocks noChangeAspect="1" noChangeArrowheads="1"/>
-          </p:cNvPicPr>
-          <p:nvPr/>
-        </p:nvPicPr>
-        <p:blipFill>
-          <a:blip r:embed="rId2">
-            <a:extLst>
-              <a:ext uri="{BEBA8EAE-BF5A-486C-A8C5-ECC9F3942E4B}">
-                <a14:imgProps xmlns:a14="http://schemas.microsoft.com/office/drawing/2010/main">
-                  <a14:imgLayer r:embed="rId3">
-                    <a14:imgEffect>
-                      <a14:artisticBlur radius="1"/>
-                    </a14:imgEffect>
-                  </a14:imgLayer>
-                </a14:imgProps>
-              </a:ext>
-              <a:ext uri="{28A0092B-C50C-407E-A947-70E740481C1C}">
-                <a14:useLocalDpi xmlns:a14="http://schemas.microsoft.com/office/drawing/2010/main" val="0"/>
-              </a:ext>
-            </a:extLst>
-          </a:blip>
-          <a:srcRect/>
-          <a:stretch>
-            <a:fillRect/>
-          </a:stretch>
-        </p:blipFill>
-        <p:spPr bwMode="auto">
-          <a:xfrm rot="18969713">
-            <a:off x="-5910080" y="4976177"/>
-            <a:ext cx="5864809" cy="8479599"/>
-          </a:xfrm>
-          <a:prstGeom prst="rect">
-            <a:avLst/>
-          </a:prstGeom>
-          <a:noFill/>
-          <a:extLst>
-            <a:ext uri="{909E8E84-426E-40DD-AFC4-6F175D3DCCD1}">
-              <a14:hiddenFill xmlns:a14="http://schemas.microsoft.com/office/drawing/2010/main">
-                <a:solidFill>
-                  <a:srgbClr val="FFFFFF"/>
-                </a:solidFill>
-              </a14:hiddenFill>
-            </a:ext>
-          </a:extLst>
-        </p:spPr>
-      </p:pic>
       <p:sp>
         <p:nvSpPr>
           <p:cNvPr id="64" name="矩形 63"/>
@@ -35415,7 +34677,7 @@
           <p:nvPr/>
         </p:nvPicPr>
         <p:blipFill rotWithShape="1">
-          <a:blip r:embed="rId4">
+          <a:blip r:embed="rId2">
             <a:extLst>
               <a:ext uri="{28A0092B-C50C-407E-A947-70E740481C1C}">
                 <a14:useLocalDpi xmlns:a14="http://schemas.microsoft.com/office/drawing/2010/main" val="0"/>
